--- a/WarDinos.pptx
+++ b/WarDinos.pptx
@@ -25,21 +25,22 @@
     <p:sldId id="270" r:id="rId20"/>
     <p:sldId id="271" r:id="rId21"/>
     <p:sldId id="272" r:id="rId22"/>
+    <p:sldId id="273" r:id="rId23"/>
   </p:sldIdLst>
   <p:sldSz cy="5143500" cx="9144000"/>
   <p:notesSz cx="6858000" cy="9144000"/>
   <p:embeddedFontLst>
     <p:embeddedFont>
       <p:font typeface="Roboto Slab"/>
-      <p:regular r:id="rId23"/>
-      <p:bold r:id="rId24"/>
+      <p:regular r:id="rId24"/>
+      <p:bold r:id="rId25"/>
     </p:embeddedFont>
     <p:embeddedFont>
       <p:font typeface="Roboto"/>
-      <p:regular r:id="rId25"/>
-      <p:bold r:id="rId26"/>
-      <p:italic r:id="rId27"/>
-      <p:boldItalic r:id="rId28"/>
+      <p:regular r:id="rId26"/>
+      <p:bold r:id="rId27"/>
+      <p:italic r:id="rId28"/>
+      <p:boldItalic r:id="rId29"/>
     </p:embeddedFont>
   </p:embeddedFontLst>
   <p:defaultTextStyle>
@@ -1210,6 +1211,101 @@
       <p:sp>
         <p:nvSpPr>
           <p:cNvPr id="170" name="Shape 170"/>
+          <p:cNvSpPr txBox="1"/>
+          <p:nvPr>
+            <p:ph idx="1" type="body"/>
+          </p:nvPr>
+        </p:nvSpPr>
+        <p:spPr>
+          <a:xfrm>
+            <a:off x="685800" y="4343400"/>
+            <a:ext cx="5486400" cy="4114800"/>
+          </a:xfrm>
+          <a:prstGeom prst="rect">
+            <a:avLst/>
+          </a:prstGeom>
+        </p:spPr>
+        <p:txBody>
+          <a:bodyPr anchorCtr="0" anchor="t" bIns="91425" lIns="91425" rIns="91425" tIns="91425">
+            <a:noAutofit/>
+          </a:bodyPr>
+          <a:lstStyle/>
+          <a:p>
+            <a:pPr lvl="0">
+              <a:spcBef>
+                <a:spcPts val="0"/>
+              </a:spcBef>
+              <a:buNone/>
+            </a:pPr>
+            <a:r>
+              <a:t/>
+            </a:r>
+            <a:endParaRPr/>
+          </a:p>
+        </p:txBody>
+      </p:sp>
+    </p:spTree>
+  </p:cSld>
+  <p:clrMapOvr>
+    <a:masterClrMapping/>
+  </p:clrMapOvr>
+</p:notes>
+</file>
+
+<file path=ppt/notesSlides/notesSlide18.xml><?xml version="1.0" encoding="utf-8"?>
+<p:notes xmlns:a="http://schemas.openxmlformats.org/drawingml/2006/main" xmlns:r="http://schemas.openxmlformats.org/officeDocument/2006/relationships" xmlns:mc="http://schemas.openxmlformats.org/markup-compatibility/2006" xmlns:mv="urn:schemas-microsoft-com:mac:vml" xmlns:p="http://schemas.openxmlformats.org/presentationml/2006/main" xmlns:c="http://schemas.openxmlformats.org/drawingml/2006/chart" xmlns:dgm="http://schemas.openxmlformats.org/drawingml/2006/diagram" xmlns:o="urn:schemas-microsoft-com:office:office" xmlns:v="urn:schemas-microsoft-com:vml" xmlns:pvml="urn:schemas-microsoft-com:office:powerpoint" xmlns:com="http://schemas.openxmlformats.org/drawingml/2006/compatibility" xmlns:p14="http://schemas.microsoft.com/office/powerpoint/2010/main" showMasterPhAnim="0" showMasterSp="0">
+  <p:cSld>
+    <p:spTree>
+      <p:nvGrpSpPr>
+        <p:cNvPr id="174" name="Shape 174"/>
+        <p:cNvGrpSpPr/>
+        <p:nvPr/>
+      </p:nvGrpSpPr>
+      <p:grpSpPr>
+        <a:xfrm>
+          <a:off x="0" y="0"/>
+          <a:ext cx="0" cy="0"/>
+          <a:chOff x="0" y="0"/>
+          <a:chExt cx="0" cy="0"/>
+        </a:xfrm>
+      </p:grpSpPr>
+      <p:sp>
+        <p:nvSpPr>
+          <p:cNvPr id="175" name="Shape 175"/>
+          <p:cNvSpPr/>
+          <p:nvPr>
+            <p:ph idx="2" type="sldImg"/>
+          </p:nvPr>
+        </p:nvSpPr>
+        <p:spPr>
+          <a:xfrm>
+            <a:off x="381300" y="685800"/>
+            <a:ext cx="6096000" cy="3429000"/>
+          </a:xfrm>
+          <a:custGeom>
+            <a:pathLst>
+              <a:path extrusionOk="0" h="120000" w="120000">
+                <a:moveTo>
+                  <a:pt x="0" y="0"/>
+                </a:moveTo>
+                <a:lnTo>
+                  <a:pt x="120000" y="0"/>
+                </a:lnTo>
+                <a:lnTo>
+                  <a:pt x="120000" y="120000"/>
+                </a:lnTo>
+                <a:lnTo>
+                  <a:pt x="0" y="120000"/>
+                </a:lnTo>
+                <a:close/>
+              </a:path>
+            </a:pathLst>
+          </a:custGeom>
+        </p:spPr>
+      </p:sp>
+      <p:sp>
+        <p:nvSpPr>
+          <p:cNvPr id="176" name="Shape 176"/>
           <p:cNvSpPr txBox="1"/>
           <p:nvPr>
             <p:ph idx="1" type="body"/>
@@ -6997,7 +7093,7 @@
             <a:tbl>
               <a:tblPr>
                 <a:noFill/>
-                <a:tableStyleId>{B01710C5-ADC2-4C66-8150-5C838F0F9295}</a:tableStyleId>
+                <a:tableStyleId>{A149E3A9-94BD-4895-B51E-9A1D601782AB}</a:tableStyleId>
               </a:tblPr>
               <a:tblGrid>
                 <a:gridCol w="1209450"/>
@@ -8761,13 +8857,13 @@
           <p:cNvPr id="172" name="Shape 172"/>
           <p:cNvSpPr txBox="1"/>
           <p:nvPr>
-            <p:ph type="ctrTitle"/>
+            <p:ph type="title"/>
           </p:nvPr>
         </p:nvSpPr>
         <p:spPr>
           <a:xfrm>
-            <a:off x="1680301" y="332112"/>
-            <a:ext cx="5783400" cy="1457399"/>
+            <a:off x="387900" y="458025"/>
+            <a:ext cx="8368200" cy="686100"/>
           </a:xfrm>
           <a:prstGeom prst="rect">
             <a:avLst/>
@@ -8779,15 +8875,15 @@
           </a:bodyPr>
           <a:lstStyle/>
           <a:p>
-            <a:pPr lvl="0" rtl="0">
-              <a:spcBef>
-                <a:spcPts val="0"/>
-              </a:spcBef>
-              <a:buNone/>
-            </a:pPr>
-            <a:r>
-              <a:rPr lang="pt-BR"/>
-              <a:t>WarDinos</a:t>
+            <a:pPr lvl="0">
+              <a:spcBef>
+                <a:spcPts val="0"/>
+              </a:spcBef>
+              <a:buNone/>
+            </a:pPr>
+            <a:r>
+              <a:rPr lang="pt-BR"/>
+              <a:t>Horários de Encontro</a:t>
             </a:r>
           </a:p>
         </p:txBody>
@@ -8795,6 +8891,123 @@
       <p:sp>
         <p:nvSpPr>
           <p:cNvPr id="173" name="Shape 173"/>
+          <p:cNvSpPr txBox="1"/>
+          <p:nvPr>
+            <p:ph idx="1" type="body"/>
+          </p:nvPr>
+        </p:nvSpPr>
+        <p:spPr>
+          <a:xfrm>
+            <a:off x="387900" y="1489824"/>
+            <a:ext cx="8368200" cy="3078900"/>
+          </a:xfrm>
+          <a:prstGeom prst="rect">
+            <a:avLst/>
+          </a:prstGeom>
+        </p:spPr>
+        <p:txBody>
+          <a:bodyPr anchorCtr="0" anchor="t" bIns="91425" lIns="91425" rIns="91425" tIns="91425">
+            <a:noAutofit/>
+          </a:bodyPr>
+          <a:lstStyle/>
+          <a:p>
+            <a:pPr lvl="0">
+              <a:spcBef>
+                <a:spcPts val="0"/>
+              </a:spcBef>
+              <a:buNone/>
+            </a:pPr>
+            <a:r>
+              <a:rPr lang="pt-BR"/>
+              <a:t>Skype - Horários aleatórios</a:t>
+            </a:r>
+          </a:p>
+          <a:p>
+            <a:pPr lvl="0">
+              <a:spcBef>
+                <a:spcPts val="0"/>
+              </a:spcBef>
+              <a:buNone/>
+            </a:pPr>
+            <a:r>
+              <a:rPr lang="pt-BR"/>
+              <a:t>Campus ANGLO UFPel </a:t>
+            </a:r>
+            <a:r>
+              <a:rPr lang="pt-BR"/>
+              <a:t>LAB 5</a:t>
+            </a:r>
+            <a:r>
+              <a:rPr lang="pt-BR"/>
+              <a:t> - Quinta-Feira 1h30 até às 3h10</a:t>
+            </a:r>
+          </a:p>
+        </p:txBody>
+      </p:sp>
+    </p:spTree>
+  </p:cSld>
+  <p:clrMapOvr>
+    <a:masterClrMapping/>
+  </p:clrMapOvr>
+</p:sld>
+</file>
+
+<file path=ppt/slides/slide18.xml><?xml version="1.0" encoding="utf-8"?>
+<p:sld xmlns:a="http://schemas.openxmlformats.org/drawingml/2006/main" xmlns:r="http://schemas.openxmlformats.org/officeDocument/2006/relationships" xmlns:mc="http://schemas.openxmlformats.org/markup-compatibility/2006" xmlns:mv="urn:schemas-microsoft-com:mac:vml" xmlns:p="http://schemas.openxmlformats.org/presentationml/2006/main" xmlns:c="http://schemas.openxmlformats.org/drawingml/2006/chart" xmlns:dgm="http://schemas.openxmlformats.org/drawingml/2006/diagram" xmlns:o="urn:schemas-microsoft-com:office:office" xmlns:v="urn:schemas-microsoft-com:vml" xmlns:pvml="urn:schemas-microsoft-com:office:powerpoint" xmlns:com="http://schemas.openxmlformats.org/drawingml/2006/compatibility" xmlns:p14="http://schemas.microsoft.com/office/powerpoint/2010/main">
+  <p:cSld>
+    <p:spTree>
+      <p:nvGrpSpPr>
+        <p:cNvPr id="177" name="Shape 177"/>
+        <p:cNvGrpSpPr/>
+        <p:nvPr/>
+      </p:nvGrpSpPr>
+      <p:grpSpPr>
+        <a:xfrm>
+          <a:off x="0" y="0"/>
+          <a:ext cx="0" cy="0"/>
+          <a:chOff x="0" y="0"/>
+          <a:chExt cx="0" cy="0"/>
+        </a:xfrm>
+      </p:grpSpPr>
+      <p:sp>
+        <p:nvSpPr>
+          <p:cNvPr id="178" name="Shape 178"/>
+          <p:cNvSpPr txBox="1"/>
+          <p:nvPr>
+            <p:ph type="ctrTitle"/>
+          </p:nvPr>
+        </p:nvSpPr>
+        <p:spPr>
+          <a:xfrm>
+            <a:off x="1680301" y="332112"/>
+            <a:ext cx="5783400" cy="1457399"/>
+          </a:xfrm>
+          <a:prstGeom prst="rect">
+            <a:avLst/>
+          </a:prstGeom>
+        </p:spPr>
+        <p:txBody>
+          <a:bodyPr anchorCtr="0" anchor="b" bIns="91425" lIns="91425" rIns="91425" tIns="91425">
+            <a:noAutofit/>
+          </a:bodyPr>
+          <a:lstStyle/>
+          <a:p>
+            <a:pPr lvl="0" rtl="0">
+              <a:spcBef>
+                <a:spcPts val="0"/>
+              </a:spcBef>
+              <a:buNone/>
+            </a:pPr>
+            <a:r>
+              <a:rPr lang="pt-BR"/>
+              <a:t>WarDinos</a:t>
+            </a:r>
+          </a:p>
+        </p:txBody>
+      </p:sp>
+      <p:sp>
+        <p:nvSpPr>
+          <p:cNvPr id="179" name="Shape 179"/>
           <p:cNvSpPr txBox="1"/>
           <p:nvPr>
             <p:ph idx="1" type="subTitle"/>
